--- a/m4-1-Работа-с-датой-и-временем/Работа+с+датой+и+временем.pptx
+++ b/m4-1-Работа-с-датой-и-временем/Работа+с+датой+и+временем.pptx
@@ -9,13 +9,13 @@
   </p:notesMasterIdLst>
   <p:sldIdLst>
     <p:sldId id="256" r:id="rId2"/>
-    <p:sldId id="257" r:id="rId3"/>
-    <p:sldId id="269" r:id="rId4"/>
-    <p:sldId id="271" r:id="rId5"/>
-    <p:sldId id="272" r:id="rId6"/>
-    <p:sldId id="266" r:id="rId7"/>
-    <p:sldId id="273" r:id="rId8"/>
-    <p:sldId id="274" r:id="rId9"/>
+    <p:sldId id="273" r:id="rId3"/>
+    <p:sldId id="274" r:id="rId4"/>
+    <p:sldId id="257" r:id="rId5"/>
+    <p:sldId id="269" r:id="rId6"/>
+    <p:sldId id="271" r:id="rId7"/>
+    <p:sldId id="272" r:id="rId8"/>
+    <p:sldId id="266" r:id="rId9"/>
     <p:sldId id="267" r:id="rId10"/>
     <p:sldId id="268" r:id="rId11"/>
   </p:sldIdLst>
@@ -1876,7 +1876,7 @@
   <p:cSld>
     <p:spTree>
       <p:nvGrpSpPr>
-        <p:cNvPr id="1" name="Shape 237"/>
+        <p:cNvPr id="1" name="Shape 309"/>
         <p:cNvGrpSpPr/>
         <p:nvPr/>
       </p:nvGrpSpPr>
@@ -1890,7 +1890,7 @@
       </p:grpSpPr>
       <p:sp>
         <p:nvSpPr>
-          <p:cNvPr id="238" name="Google Shape;238;g2a39d1a30fc_0_14:notes"/>
+          <p:cNvPr id="310" name="Google Shape;310;g2a86d392fdb_0_37:notes"/>
           <p:cNvSpPr>
             <a:spLocks noGrp="1" noRot="1" noChangeAspect="1"/>
           </p:cNvSpPr>
@@ -1931,7 +1931,7 @@
       </p:sp>
       <p:sp>
         <p:nvSpPr>
-          <p:cNvPr id="239" name="Google Shape;239;g2a39d1a30fc_0_14:notes"/>
+          <p:cNvPr id="311" name="Google Shape;311;g2a86d392fdb_0_37:notes"/>
           <p:cNvSpPr txBox="1">
             <a:spLocks noGrp="1"/>
           </p:cNvSpPr>
@@ -1969,7 +1969,7 @@
       </p:sp>
       <p:sp>
         <p:nvSpPr>
-          <p:cNvPr id="240" name="Google Shape;240;g2a39d1a30fc_0_14:notes"/>
+          <p:cNvPr id="312" name="Google Shape;312;g2a86d392fdb_0_37:notes"/>
           <p:cNvSpPr txBox="1">
             <a:spLocks noGrp="1"/>
           </p:cNvSpPr>
@@ -2014,6 +2014,11 @@
         </p:txBody>
       </p:sp>
     </p:spTree>
+    <p:extLst>
+      <p:ext uri="{BB962C8B-B14F-4D97-AF65-F5344CB8AC3E}">
+        <p14:creationId xmlns:p14="http://schemas.microsoft.com/office/powerpoint/2010/main" val="2634307515"/>
+      </p:ext>
+    </p:extLst>
   </p:cSld>
   <p:clrMapOvr>
     <a:masterClrMapping/>
@@ -2026,7 +2031,7 @@
   <p:cSld>
     <p:spTree>
       <p:nvGrpSpPr>
-        <p:cNvPr id="1" name="Shape 237"/>
+        <p:cNvPr id="1" name="Shape 309"/>
         <p:cNvGrpSpPr/>
         <p:nvPr/>
       </p:nvGrpSpPr>
@@ -2040,7 +2045,7 @@
       </p:grpSpPr>
       <p:sp>
         <p:nvSpPr>
-          <p:cNvPr id="238" name="Google Shape;238;g2a39d1a30fc_0_14:notes"/>
+          <p:cNvPr id="310" name="Google Shape;310;g2a86d392fdb_0_37:notes"/>
           <p:cNvSpPr>
             <a:spLocks noGrp="1" noRot="1" noChangeAspect="1"/>
           </p:cNvSpPr>
@@ -2081,7 +2086,7 @@
       </p:sp>
       <p:sp>
         <p:nvSpPr>
-          <p:cNvPr id="239" name="Google Shape;239;g2a39d1a30fc_0_14:notes"/>
+          <p:cNvPr id="311" name="Google Shape;311;g2a86d392fdb_0_37:notes"/>
           <p:cNvSpPr txBox="1">
             <a:spLocks noGrp="1"/>
           </p:cNvSpPr>
@@ -2119,7 +2124,7 @@
       </p:sp>
       <p:sp>
         <p:nvSpPr>
-          <p:cNvPr id="240" name="Google Shape;240;g2a39d1a30fc_0_14:notes"/>
+          <p:cNvPr id="312" name="Google Shape;312;g2a86d392fdb_0_37:notes"/>
           <p:cNvSpPr txBox="1">
             <a:spLocks noGrp="1"/>
           </p:cNvSpPr>
@@ -2166,7 +2171,7 @@
     </p:spTree>
     <p:extLst>
       <p:ext uri="{BB962C8B-B14F-4D97-AF65-F5344CB8AC3E}">
-        <p14:creationId xmlns:p14="http://schemas.microsoft.com/office/powerpoint/2010/main" val="325613546"/>
+        <p14:creationId xmlns:p14="http://schemas.microsoft.com/office/powerpoint/2010/main" val="1046389559"/>
       </p:ext>
     </p:extLst>
   </p:cSld>
@@ -2319,11 +2324,6 @@
         </p:txBody>
       </p:sp>
     </p:spTree>
-    <p:extLst>
-      <p:ext uri="{BB962C8B-B14F-4D97-AF65-F5344CB8AC3E}">
-        <p14:creationId xmlns:p14="http://schemas.microsoft.com/office/powerpoint/2010/main" val="4258722304"/>
-      </p:ext>
-    </p:extLst>
   </p:cSld>
   <p:clrMapOvr>
     <a:masterClrMapping/>
@@ -2476,7 +2476,7 @@
     </p:spTree>
     <p:extLst>
       <p:ext uri="{BB962C8B-B14F-4D97-AF65-F5344CB8AC3E}">
-        <p14:creationId xmlns:p14="http://schemas.microsoft.com/office/powerpoint/2010/main" val="1117100642"/>
+        <p14:creationId xmlns:p14="http://schemas.microsoft.com/office/powerpoint/2010/main" val="325613546"/>
       </p:ext>
     </p:extLst>
   </p:cSld>
@@ -2491,7 +2491,7 @@
   <p:cSld>
     <p:spTree>
       <p:nvGrpSpPr>
-        <p:cNvPr id="1" name="Shape 309"/>
+        <p:cNvPr id="1" name="Shape 237"/>
         <p:cNvGrpSpPr/>
         <p:nvPr/>
       </p:nvGrpSpPr>
@@ -2505,7 +2505,7 @@
       </p:grpSpPr>
       <p:sp>
         <p:nvSpPr>
-          <p:cNvPr id="310" name="Google Shape;310;g2a86d392fdb_0_37:notes"/>
+          <p:cNvPr id="238" name="Google Shape;238;g2a39d1a30fc_0_14:notes"/>
           <p:cNvSpPr>
             <a:spLocks noGrp="1" noRot="1" noChangeAspect="1"/>
           </p:cNvSpPr>
@@ -2546,7 +2546,7 @@
       </p:sp>
       <p:sp>
         <p:nvSpPr>
-          <p:cNvPr id="311" name="Google Shape;311;g2a86d392fdb_0_37:notes"/>
+          <p:cNvPr id="239" name="Google Shape;239;g2a39d1a30fc_0_14:notes"/>
           <p:cNvSpPr txBox="1">
             <a:spLocks noGrp="1"/>
           </p:cNvSpPr>
@@ -2584,7 +2584,7 @@
       </p:sp>
       <p:sp>
         <p:nvSpPr>
-          <p:cNvPr id="312" name="Google Shape;312;g2a86d392fdb_0_37:notes"/>
+          <p:cNvPr id="240" name="Google Shape;240;g2a39d1a30fc_0_14:notes"/>
           <p:cNvSpPr txBox="1">
             <a:spLocks noGrp="1"/>
           </p:cNvSpPr>
@@ -2629,6 +2629,11 @@
         </p:txBody>
       </p:sp>
     </p:spTree>
+    <p:extLst>
+      <p:ext uri="{BB962C8B-B14F-4D97-AF65-F5344CB8AC3E}">
+        <p14:creationId xmlns:p14="http://schemas.microsoft.com/office/powerpoint/2010/main" val="4258722304"/>
+      </p:ext>
+    </p:extLst>
   </p:cSld>
   <p:clrMapOvr>
     <a:masterClrMapping/>
@@ -2641,7 +2646,7 @@
   <p:cSld>
     <p:spTree>
       <p:nvGrpSpPr>
-        <p:cNvPr id="1" name="Shape 309"/>
+        <p:cNvPr id="1" name="Shape 237"/>
         <p:cNvGrpSpPr/>
         <p:nvPr/>
       </p:nvGrpSpPr>
@@ -2655,7 +2660,7 @@
       </p:grpSpPr>
       <p:sp>
         <p:nvSpPr>
-          <p:cNvPr id="310" name="Google Shape;310;g2a86d392fdb_0_37:notes"/>
+          <p:cNvPr id="238" name="Google Shape;238;g2a39d1a30fc_0_14:notes"/>
           <p:cNvSpPr>
             <a:spLocks noGrp="1" noRot="1" noChangeAspect="1"/>
           </p:cNvSpPr>
@@ -2696,7 +2701,7 @@
       </p:sp>
       <p:sp>
         <p:nvSpPr>
-          <p:cNvPr id="311" name="Google Shape;311;g2a86d392fdb_0_37:notes"/>
+          <p:cNvPr id="239" name="Google Shape;239;g2a39d1a30fc_0_14:notes"/>
           <p:cNvSpPr txBox="1">
             <a:spLocks noGrp="1"/>
           </p:cNvSpPr>
@@ -2734,7 +2739,7 @@
       </p:sp>
       <p:sp>
         <p:nvSpPr>
-          <p:cNvPr id="312" name="Google Shape;312;g2a86d392fdb_0_37:notes"/>
+          <p:cNvPr id="240" name="Google Shape;240;g2a39d1a30fc_0_14:notes"/>
           <p:cNvSpPr txBox="1">
             <a:spLocks noGrp="1"/>
           </p:cNvSpPr>
@@ -2781,7 +2786,7 @@
     </p:spTree>
     <p:extLst>
       <p:ext uri="{BB962C8B-B14F-4D97-AF65-F5344CB8AC3E}">
-        <p14:creationId xmlns:p14="http://schemas.microsoft.com/office/powerpoint/2010/main" val="4160416610"/>
+        <p14:creationId xmlns:p14="http://schemas.microsoft.com/office/powerpoint/2010/main" val="1117100642"/>
       </p:ext>
     </p:extLst>
   </p:cSld>
@@ -2934,11 +2939,6 @@
         </p:txBody>
       </p:sp>
     </p:spTree>
-    <p:extLst>
-      <p:ext uri="{BB962C8B-B14F-4D97-AF65-F5344CB8AC3E}">
-        <p14:creationId xmlns:p14="http://schemas.microsoft.com/office/powerpoint/2010/main" val="1431571047"/>
-      </p:ext>
-    </p:extLst>
   </p:cSld>
   <p:clrMapOvr>
     <a:masterClrMapping/>
@@ -29214,23 +29214,11 @@
           </a:bodyPr>
           <a:lstStyle/>
           <a:p>
-            <a:pPr marL="0" lvl="0" indent="0" algn="ctr" rtl="0">
-              <a:lnSpc>
-                <a:spcPct val="90000"/>
-              </a:lnSpc>
-              <a:spcBef>
-                <a:spcPts val="0"/>
-              </a:spcBef>
-              <a:spcAft>
-                <a:spcPts val="0"/>
-              </a:spcAft>
-              <a:buClr>
-                <a:schemeClr val="accent1"/>
-              </a:buClr>
-              <a:buSzPts val="6000"/>
-              <a:buFont typeface="Calibri"/>
-              <a:buNone/>
-            </a:pPr>
+            <a:pPr lvl="0"/>
+            <a:r>
+              <a:rPr lang="ru-RU" dirty="0"/>
+              <a:t>Функции. </a:t>
+            </a:r>
             <a:r>
               <a:rPr lang="en-US" dirty="0" err="1"/>
               <a:t>Работа</a:t>
@@ -29253,7 +29241,7 @@
             </a:r>
             <a:r>
               <a:rPr lang="ru-RU" dirty="0"/>
-              <a:t>. Функции</a:t>
+              <a:t>. </a:t>
             </a:r>
             <a:endParaRPr dirty="0"/>
           </a:p>
@@ -30163,6 +30151,426 @@
   <p:cSld>
     <p:spTree>
       <p:nvGrpSpPr>
+        <p:cNvPr id="1" name="Shape 313"/>
+        <p:cNvGrpSpPr/>
+        <p:nvPr/>
+      </p:nvGrpSpPr>
+      <p:grpSpPr>
+        <a:xfrm>
+          <a:off x="0" y="0"/>
+          <a:ext cx="0" cy="0"/>
+          <a:chOff x="0" y="0"/>
+          <a:chExt cx="0" cy="0"/>
+        </a:xfrm>
+      </p:grpSpPr>
+      <p:sp>
+        <p:nvSpPr>
+          <p:cNvPr id="314" name="Google Shape;314;p34"/>
+          <p:cNvSpPr txBox="1">
+            <a:spLocks noGrp="1"/>
+          </p:cNvSpPr>
+          <p:nvPr>
+            <p:ph type="title"/>
+          </p:nvPr>
+        </p:nvSpPr>
+        <p:spPr>
+          <a:xfrm>
+            <a:off x="2806398" y="264541"/>
+            <a:ext cx="8428500" cy="1132200"/>
+          </a:xfrm>
+          <a:prstGeom prst="rect">
+            <a:avLst/>
+          </a:prstGeom>
+        </p:spPr>
+        <p:txBody>
+          <a:bodyPr spcFirstLastPara="1" wrap="square" lIns="91425" tIns="45700" rIns="91425" bIns="45700" anchor="ctr" anchorCtr="0">
+            <a:normAutofit/>
+          </a:bodyPr>
+          <a:lstStyle/>
+          <a:p>
+            <a:pPr lvl="0"/>
+            <a:r>
+              <a:rPr lang="ru-RU" sz="6000" dirty="0">
+                <a:latin typeface="Yandex Sans Text Light" panose="02000000000000000000" pitchFamily="2" charset="-52"/>
+              </a:rPr>
+              <a:t>Функции</a:t>
+            </a:r>
+            <a:endParaRPr sz="6000" dirty="0"/>
+          </a:p>
+        </p:txBody>
+      </p:sp>
+      <p:pic>
+        <p:nvPicPr>
+          <p:cNvPr id="4" name="Рисунок 3" descr="https://proproprogs.ru/htm/python_base/files/python3-funkcii-pervoe-znakomstvo-opredelenie-def-i-ih-vyzov.files/image001.jpg">
+            <a:extLst>
+              <a:ext uri="{FF2B5EF4-FFF2-40B4-BE49-F238E27FC236}">
+                <a16:creationId xmlns:a16="http://schemas.microsoft.com/office/drawing/2014/main" id="{9E4ECCE4-7878-4C94-A29B-DBF42FA2B940}"/>
+              </a:ext>
+            </a:extLst>
+          </p:cNvPr>
+          <p:cNvPicPr/>
+          <p:nvPr/>
+        </p:nvPicPr>
+        <p:blipFill>
+          <a:blip r:embed="rId3">
+            <a:extLst>
+              <a:ext uri="{28A0092B-C50C-407E-A947-70E740481C1C}">
+                <a14:useLocalDpi xmlns:a14="http://schemas.microsoft.com/office/drawing/2010/main" val="0"/>
+              </a:ext>
+            </a:extLst>
+          </a:blip>
+          <a:srcRect/>
+          <a:stretch>
+            <a:fillRect/>
+          </a:stretch>
+        </p:blipFill>
+        <p:spPr bwMode="auto">
+          <a:xfrm>
+            <a:off x="506452" y="1396741"/>
+            <a:ext cx="4854746" cy="2438400"/>
+          </a:xfrm>
+          <a:prstGeom prst="rect">
+            <a:avLst/>
+          </a:prstGeom>
+          <a:noFill/>
+          <a:ln>
+            <a:noFill/>
+          </a:ln>
+        </p:spPr>
+      </p:pic>
+      <p:pic>
+        <p:nvPicPr>
+          <p:cNvPr id="6" name="Рисунок 5" descr="https://proproprogs.ru/htm/python_base/files/python3-funkcii-pervoe-znakomstvo-opredelenie-def-i-ih-vyzov.files/image002.jpg">
+            <a:extLst>
+              <a:ext uri="{FF2B5EF4-FFF2-40B4-BE49-F238E27FC236}">
+                <a16:creationId xmlns:a16="http://schemas.microsoft.com/office/drawing/2014/main" id="{FCB5AFC1-FCF5-4089-9FF4-C300C8FB8709}"/>
+              </a:ext>
+            </a:extLst>
+          </p:cNvPr>
+          <p:cNvPicPr/>
+          <p:nvPr/>
+        </p:nvPicPr>
+        <p:blipFill>
+          <a:blip r:embed="rId4">
+            <a:extLst>
+              <a:ext uri="{28A0092B-C50C-407E-A947-70E740481C1C}">
+                <a14:useLocalDpi xmlns:a14="http://schemas.microsoft.com/office/drawing/2010/main" val="0"/>
+              </a:ext>
+            </a:extLst>
+          </a:blip>
+          <a:srcRect/>
+          <a:stretch>
+            <a:fillRect/>
+          </a:stretch>
+        </p:blipFill>
+        <p:spPr bwMode="auto">
+          <a:xfrm>
+            <a:off x="6096000" y="3288552"/>
+            <a:ext cx="5778378" cy="3304907"/>
+          </a:xfrm>
+          <a:prstGeom prst="rect">
+            <a:avLst/>
+          </a:prstGeom>
+          <a:noFill/>
+          <a:ln>
+            <a:noFill/>
+          </a:ln>
+        </p:spPr>
+      </p:pic>
+    </p:spTree>
+    <p:extLst>
+      <p:ext uri="{BB962C8B-B14F-4D97-AF65-F5344CB8AC3E}">
+        <p14:creationId xmlns:p14="http://schemas.microsoft.com/office/powerpoint/2010/main" val="56593098"/>
+      </p:ext>
+    </p:extLst>
+  </p:cSld>
+  <p:clrMapOvr>
+    <a:masterClrMapping/>
+  </p:clrMapOvr>
+  <p:timing>
+    <p:tnLst>
+      <p:par>
+        <p:cTn id="1" dur="indefinite" restart="never" nodeType="tmRoot">
+          <p:childTnLst>
+            <p:seq concurrent="1" nextAc="seek">
+              <p:cTn id="2" dur="indefinite" nodeType="mainSeq">
+                <p:childTnLst>
+                  <p:par>
+                    <p:cTn id="3" fill="hold">
+                      <p:stCondLst>
+                        <p:cond delay="indefinite"/>
+                      </p:stCondLst>
+                      <p:childTnLst>
+                        <p:par>
+                          <p:cTn id="4" fill="hold">
+                            <p:stCondLst>
+                              <p:cond delay="0"/>
+                            </p:stCondLst>
+                            <p:childTnLst>
+                              <p:par>
+                                <p:cTn id="5" presetID="1" presetClass="entr" presetSubtype="0" fill="hold" nodeType="clickEffect">
+                                  <p:stCondLst>
+                                    <p:cond delay="0"/>
+                                  </p:stCondLst>
+                                  <p:childTnLst>
+                                    <p:set>
+                                      <p:cBhvr>
+                                        <p:cTn id="6" dur="1" fill="hold">
+                                          <p:stCondLst>
+                                            <p:cond delay="0"/>
+                                          </p:stCondLst>
+                                        </p:cTn>
+                                        <p:tgtEl>
+                                          <p:spTgt spid="4"/>
+                                        </p:tgtEl>
+                                        <p:attrNameLst>
+                                          <p:attrName>style.visibility</p:attrName>
+                                        </p:attrNameLst>
+                                      </p:cBhvr>
+                                      <p:to>
+                                        <p:strVal val="visible"/>
+                                      </p:to>
+                                    </p:set>
+                                  </p:childTnLst>
+                                </p:cTn>
+                              </p:par>
+                            </p:childTnLst>
+                          </p:cTn>
+                        </p:par>
+                      </p:childTnLst>
+                    </p:cTn>
+                  </p:par>
+                  <p:par>
+                    <p:cTn id="7" fill="hold">
+                      <p:stCondLst>
+                        <p:cond delay="indefinite"/>
+                      </p:stCondLst>
+                      <p:childTnLst>
+                        <p:par>
+                          <p:cTn id="8" fill="hold">
+                            <p:stCondLst>
+                              <p:cond delay="0"/>
+                            </p:stCondLst>
+                            <p:childTnLst>
+                              <p:par>
+                                <p:cTn id="9" presetID="1" presetClass="entr" presetSubtype="0" fill="hold" nodeType="clickEffect">
+                                  <p:stCondLst>
+                                    <p:cond delay="0"/>
+                                  </p:stCondLst>
+                                  <p:childTnLst>
+                                    <p:set>
+                                      <p:cBhvr>
+                                        <p:cTn id="10" dur="1" fill="hold">
+                                          <p:stCondLst>
+                                            <p:cond delay="0"/>
+                                          </p:stCondLst>
+                                        </p:cTn>
+                                        <p:tgtEl>
+                                          <p:spTgt spid="6"/>
+                                        </p:tgtEl>
+                                        <p:attrNameLst>
+                                          <p:attrName>style.visibility</p:attrName>
+                                        </p:attrNameLst>
+                                      </p:cBhvr>
+                                      <p:to>
+                                        <p:strVal val="visible"/>
+                                      </p:to>
+                                    </p:set>
+                                  </p:childTnLst>
+                                </p:cTn>
+                              </p:par>
+                            </p:childTnLst>
+                          </p:cTn>
+                        </p:par>
+                      </p:childTnLst>
+                    </p:cTn>
+                  </p:par>
+                </p:childTnLst>
+              </p:cTn>
+              <p:prevCondLst>
+                <p:cond evt="onPrev" delay="0">
+                  <p:tgtEl>
+                    <p:sldTgt/>
+                  </p:tgtEl>
+                </p:cond>
+              </p:prevCondLst>
+              <p:nextCondLst>
+                <p:cond evt="onNext" delay="0">
+                  <p:tgtEl>
+                    <p:sldTgt/>
+                  </p:tgtEl>
+                </p:cond>
+              </p:nextCondLst>
+            </p:seq>
+          </p:childTnLst>
+        </p:cTn>
+      </p:par>
+    </p:tnLst>
+  </p:timing>
+</p:sld>
+</file>
+
+<file path=ppt/slides/slide3.xml><?xml version="1.0" encoding="utf-8"?>
+<p:sld xmlns:a="http://schemas.openxmlformats.org/drawingml/2006/main" xmlns:r="http://schemas.openxmlformats.org/officeDocument/2006/relationships" xmlns:p="http://schemas.openxmlformats.org/presentationml/2006/main">
+  <p:cSld>
+    <p:spTree>
+      <p:nvGrpSpPr>
+        <p:cNvPr id="1" name="Shape 313"/>
+        <p:cNvGrpSpPr/>
+        <p:nvPr/>
+      </p:nvGrpSpPr>
+      <p:grpSpPr>
+        <a:xfrm>
+          <a:off x="0" y="0"/>
+          <a:ext cx="0" cy="0"/>
+          <a:chOff x="0" y="0"/>
+          <a:chExt cx="0" cy="0"/>
+        </a:xfrm>
+      </p:grpSpPr>
+      <p:sp>
+        <p:nvSpPr>
+          <p:cNvPr id="314" name="Google Shape;314;p34"/>
+          <p:cNvSpPr txBox="1">
+            <a:spLocks noGrp="1"/>
+          </p:cNvSpPr>
+          <p:nvPr>
+            <p:ph type="title"/>
+          </p:nvPr>
+        </p:nvSpPr>
+        <p:spPr>
+          <a:xfrm>
+            <a:off x="2806398" y="264541"/>
+            <a:ext cx="8428500" cy="1132200"/>
+          </a:xfrm>
+          <a:prstGeom prst="rect">
+            <a:avLst/>
+          </a:prstGeom>
+        </p:spPr>
+        <p:txBody>
+          <a:bodyPr spcFirstLastPara="1" wrap="square" lIns="91425" tIns="45700" rIns="91425" bIns="45700" anchor="ctr" anchorCtr="0">
+            <a:normAutofit/>
+          </a:bodyPr>
+          <a:lstStyle/>
+          <a:p>
+            <a:pPr lvl="0"/>
+            <a:r>
+              <a:rPr lang="ru-RU" sz="6000" dirty="0">
+                <a:latin typeface="Yandex Sans Text Light" panose="02000000000000000000" pitchFamily="2" charset="-52"/>
+              </a:rPr>
+              <a:t>Функции</a:t>
+            </a:r>
+            <a:endParaRPr sz="6000" dirty="0"/>
+          </a:p>
+        </p:txBody>
+      </p:sp>
+      <p:pic>
+        <p:nvPicPr>
+          <p:cNvPr id="5" name="Рисунок 4" descr="https://proproprogs.ru/htm/python_base/files/python3-funkcii-pervoe-znakomstvo-opredelenie-def-i-ih-vyzov.files/image003.jpg">
+            <a:extLst>
+              <a:ext uri="{FF2B5EF4-FFF2-40B4-BE49-F238E27FC236}">
+                <a16:creationId xmlns:a16="http://schemas.microsoft.com/office/drawing/2014/main" id="{9135F593-136B-4BC8-A00F-FAD8D481474C}"/>
+              </a:ext>
+            </a:extLst>
+          </p:cNvPr>
+          <p:cNvPicPr/>
+          <p:nvPr/>
+        </p:nvPicPr>
+        <p:blipFill>
+          <a:blip r:embed="rId3">
+            <a:extLst>
+              <a:ext uri="{28A0092B-C50C-407E-A947-70E740481C1C}">
+                <a14:useLocalDpi xmlns:a14="http://schemas.microsoft.com/office/drawing/2010/main" val="0"/>
+              </a:ext>
+            </a:extLst>
+          </a:blip>
+          <a:srcRect/>
+          <a:stretch>
+            <a:fillRect/>
+          </a:stretch>
+        </p:blipFill>
+        <p:spPr bwMode="auto">
+          <a:xfrm>
+            <a:off x="572789" y="1611049"/>
+            <a:ext cx="5739447" cy="2208896"/>
+          </a:xfrm>
+          <a:prstGeom prst="rect">
+            <a:avLst/>
+          </a:prstGeom>
+          <a:ln>
+            <a:noFill/>
+          </a:ln>
+          <a:effectLst>
+            <a:outerShdw blurRad="292100" dist="139700" dir="2700000" algn="tl" rotWithShape="0">
+              <a:srgbClr val="333333">
+                <a:alpha val="65000"/>
+              </a:srgbClr>
+            </a:outerShdw>
+          </a:effectLst>
+        </p:spPr>
+      </p:pic>
+      <p:pic>
+        <p:nvPicPr>
+          <p:cNvPr id="7" name="Рисунок 6" descr="https://proproprogs.ru/htm/python_base/files/python3-operator-return-v-funkciyah-funkcionalnoe-programmirovanie.files/image001.jpg">
+            <a:extLst>
+              <a:ext uri="{FF2B5EF4-FFF2-40B4-BE49-F238E27FC236}">
+                <a16:creationId xmlns:a16="http://schemas.microsoft.com/office/drawing/2014/main" id="{2CF0E4D1-527C-4253-B52E-2789791C29C9}"/>
+              </a:ext>
+            </a:extLst>
+          </p:cNvPr>
+          <p:cNvPicPr/>
+          <p:nvPr/>
+        </p:nvPicPr>
+        <p:blipFill>
+          <a:blip r:embed="rId4">
+            <a:extLst>
+              <a:ext uri="{28A0092B-C50C-407E-A947-70E740481C1C}">
+                <a14:useLocalDpi xmlns:a14="http://schemas.microsoft.com/office/drawing/2010/main" val="0"/>
+              </a:ext>
+            </a:extLst>
+          </a:blip>
+          <a:srcRect/>
+          <a:stretch>
+            <a:fillRect/>
+          </a:stretch>
+        </p:blipFill>
+        <p:spPr bwMode="auto">
+          <a:xfrm>
+            <a:off x="7085535" y="3819945"/>
+            <a:ext cx="4658409" cy="2823747"/>
+          </a:xfrm>
+          <a:prstGeom prst="rect">
+            <a:avLst/>
+          </a:prstGeom>
+          <a:ln>
+            <a:noFill/>
+          </a:ln>
+          <a:effectLst>
+            <a:outerShdw blurRad="292100" dist="139700" dir="2700000" algn="tl" rotWithShape="0">
+              <a:srgbClr val="333333">
+                <a:alpha val="65000"/>
+              </a:srgbClr>
+            </a:outerShdw>
+          </a:effectLst>
+        </p:spPr>
+      </p:pic>
+    </p:spTree>
+    <p:extLst>
+      <p:ext uri="{BB962C8B-B14F-4D97-AF65-F5344CB8AC3E}">
+        <p14:creationId xmlns:p14="http://schemas.microsoft.com/office/powerpoint/2010/main" val="1304678231"/>
+      </p:ext>
+    </p:extLst>
+  </p:cSld>
+  <p:clrMapOvr>
+    <a:masterClrMapping/>
+  </p:clrMapOvr>
+</p:sld>
+</file>
+
+<file path=ppt/slides/slide4.xml><?xml version="1.0" encoding="utf-8"?>
+<p:sld xmlns:a="http://schemas.openxmlformats.org/drawingml/2006/main" xmlns:r="http://schemas.openxmlformats.org/officeDocument/2006/relationships" xmlns:p="http://schemas.openxmlformats.org/presentationml/2006/main">
+  <p:cSld>
+    <p:spTree>
+      <p:nvGrpSpPr>
         <p:cNvPr id="1" name="Shape 241"/>
         <p:cNvGrpSpPr/>
         <p:nvPr/>
@@ -30530,7 +30938,7 @@
             </a:pPr>
             <a:fld id="{00000000-1234-1234-1234-123412341234}" type="slidenum">
               <a:rPr lang="en-US"/>
-              <a:t>2</a:t>
+              <a:t>4</a:t>
             </a:fld>
             <a:endParaRPr/>
           </a:p>
@@ -31083,7 +31491,7 @@
 </p:sld>
 </file>
 
-<file path=ppt/slides/slide3.xml><?xml version="1.0" encoding="utf-8"?>
+<file path=ppt/slides/slide5.xml><?xml version="1.0" encoding="utf-8"?>
 <p:sld xmlns:a="http://schemas.openxmlformats.org/drawingml/2006/main" xmlns:r="http://schemas.openxmlformats.org/officeDocument/2006/relationships" xmlns:p="http://schemas.openxmlformats.org/presentationml/2006/main">
   <p:cSld>
     <p:spTree>
@@ -31182,7 +31590,7 @@
             </a:pPr>
             <a:fld id="{00000000-1234-1234-1234-123412341234}" type="slidenum">
               <a:rPr lang="en-US"/>
-              <a:t>3</a:t>
+              <a:t>5</a:t>
             </a:fld>
             <a:endParaRPr/>
           </a:p>
@@ -31693,7 +32101,7 @@
 </p:sld>
 </file>
 
-<file path=ppt/slides/slide4.xml><?xml version="1.0" encoding="utf-8"?>
+<file path=ppt/slides/slide6.xml><?xml version="1.0" encoding="utf-8"?>
 <p:sld xmlns:a="http://schemas.openxmlformats.org/drawingml/2006/main" xmlns:r="http://schemas.openxmlformats.org/officeDocument/2006/relationships" xmlns:p="http://schemas.openxmlformats.org/presentationml/2006/main">
   <p:cSld>
     <p:spTree>
@@ -31792,7 +32200,7 @@
             </a:pPr>
             <a:fld id="{00000000-1234-1234-1234-123412341234}" type="slidenum">
               <a:rPr lang="en-US"/>
-              <a:t>4</a:t>
+              <a:t>6</a:t>
             </a:fld>
             <a:endParaRPr/>
           </a:p>
@@ -32162,7 +32570,7 @@
 </p:sld>
 </file>
 
-<file path=ppt/slides/slide5.xml><?xml version="1.0" encoding="utf-8"?>
+<file path=ppt/slides/slide7.xml><?xml version="1.0" encoding="utf-8"?>
 <p:sld xmlns:a="http://schemas.openxmlformats.org/drawingml/2006/main" xmlns:r="http://schemas.openxmlformats.org/officeDocument/2006/relationships" xmlns:p="http://schemas.openxmlformats.org/presentationml/2006/main">
   <p:cSld>
     <p:spTree>
@@ -32261,7 +32669,7 @@
             </a:pPr>
             <a:fld id="{00000000-1234-1234-1234-123412341234}" type="slidenum">
               <a:rPr lang="en-US"/>
-              <a:t>5</a:t>
+              <a:t>7</a:t>
             </a:fld>
             <a:endParaRPr/>
           </a:p>
@@ -32461,7 +32869,7 @@
 </p:sld>
 </file>
 
-<file path=ppt/slides/slide6.xml><?xml version="1.0" encoding="utf-8"?>
+<file path=ppt/slides/slide8.xml><?xml version="1.0" encoding="utf-8"?>
 <p:sld xmlns:a="http://schemas.openxmlformats.org/drawingml/2006/main" xmlns:r="http://schemas.openxmlformats.org/officeDocument/2006/relationships" xmlns:p="http://schemas.openxmlformats.org/presentationml/2006/main">
   <p:cSld>
     <p:spTree>
@@ -32579,426 +32987,6 @@
         </p:txBody>
       </p:sp>
     </p:spTree>
-  </p:cSld>
-  <p:clrMapOvr>
-    <a:masterClrMapping/>
-  </p:clrMapOvr>
-</p:sld>
-</file>
-
-<file path=ppt/slides/slide7.xml><?xml version="1.0" encoding="utf-8"?>
-<p:sld xmlns:a="http://schemas.openxmlformats.org/drawingml/2006/main" xmlns:r="http://schemas.openxmlformats.org/officeDocument/2006/relationships" xmlns:p="http://schemas.openxmlformats.org/presentationml/2006/main">
-  <p:cSld>
-    <p:spTree>
-      <p:nvGrpSpPr>
-        <p:cNvPr id="1" name="Shape 313"/>
-        <p:cNvGrpSpPr/>
-        <p:nvPr/>
-      </p:nvGrpSpPr>
-      <p:grpSpPr>
-        <a:xfrm>
-          <a:off x="0" y="0"/>
-          <a:ext cx="0" cy="0"/>
-          <a:chOff x="0" y="0"/>
-          <a:chExt cx="0" cy="0"/>
-        </a:xfrm>
-      </p:grpSpPr>
-      <p:sp>
-        <p:nvSpPr>
-          <p:cNvPr id="314" name="Google Shape;314;p34"/>
-          <p:cNvSpPr txBox="1">
-            <a:spLocks noGrp="1"/>
-          </p:cNvSpPr>
-          <p:nvPr>
-            <p:ph type="title"/>
-          </p:nvPr>
-        </p:nvSpPr>
-        <p:spPr>
-          <a:xfrm>
-            <a:off x="2806398" y="264541"/>
-            <a:ext cx="8428500" cy="1132200"/>
-          </a:xfrm>
-          <a:prstGeom prst="rect">
-            <a:avLst/>
-          </a:prstGeom>
-        </p:spPr>
-        <p:txBody>
-          <a:bodyPr spcFirstLastPara="1" wrap="square" lIns="91425" tIns="45700" rIns="91425" bIns="45700" anchor="ctr" anchorCtr="0">
-            <a:normAutofit/>
-          </a:bodyPr>
-          <a:lstStyle/>
-          <a:p>
-            <a:pPr lvl="0"/>
-            <a:r>
-              <a:rPr lang="ru-RU" sz="6000" dirty="0">
-                <a:latin typeface="Yandex Sans Text Light" panose="02000000000000000000" pitchFamily="2" charset="-52"/>
-              </a:rPr>
-              <a:t>Функции</a:t>
-            </a:r>
-            <a:endParaRPr sz="6000" dirty="0"/>
-          </a:p>
-        </p:txBody>
-      </p:sp>
-      <p:pic>
-        <p:nvPicPr>
-          <p:cNvPr id="4" name="Рисунок 3" descr="https://proproprogs.ru/htm/python_base/files/python3-funkcii-pervoe-znakomstvo-opredelenie-def-i-ih-vyzov.files/image001.jpg">
-            <a:extLst>
-              <a:ext uri="{FF2B5EF4-FFF2-40B4-BE49-F238E27FC236}">
-                <a16:creationId xmlns:a16="http://schemas.microsoft.com/office/drawing/2014/main" id="{9E4ECCE4-7878-4C94-A29B-DBF42FA2B940}"/>
-              </a:ext>
-            </a:extLst>
-          </p:cNvPr>
-          <p:cNvPicPr/>
-          <p:nvPr/>
-        </p:nvPicPr>
-        <p:blipFill>
-          <a:blip r:embed="rId3">
-            <a:extLst>
-              <a:ext uri="{28A0092B-C50C-407E-A947-70E740481C1C}">
-                <a14:useLocalDpi xmlns:a14="http://schemas.microsoft.com/office/drawing/2010/main" val="0"/>
-              </a:ext>
-            </a:extLst>
-          </a:blip>
-          <a:srcRect/>
-          <a:stretch>
-            <a:fillRect/>
-          </a:stretch>
-        </p:blipFill>
-        <p:spPr bwMode="auto">
-          <a:xfrm>
-            <a:off x="506452" y="1396741"/>
-            <a:ext cx="4854746" cy="2438400"/>
-          </a:xfrm>
-          <a:prstGeom prst="rect">
-            <a:avLst/>
-          </a:prstGeom>
-          <a:noFill/>
-          <a:ln>
-            <a:noFill/>
-          </a:ln>
-        </p:spPr>
-      </p:pic>
-      <p:pic>
-        <p:nvPicPr>
-          <p:cNvPr id="6" name="Рисунок 5" descr="https://proproprogs.ru/htm/python_base/files/python3-funkcii-pervoe-znakomstvo-opredelenie-def-i-ih-vyzov.files/image002.jpg">
-            <a:extLst>
-              <a:ext uri="{FF2B5EF4-FFF2-40B4-BE49-F238E27FC236}">
-                <a16:creationId xmlns:a16="http://schemas.microsoft.com/office/drawing/2014/main" id="{FCB5AFC1-FCF5-4089-9FF4-C300C8FB8709}"/>
-              </a:ext>
-            </a:extLst>
-          </p:cNvPr>
-          <p:cNvPicPr/>
-          <p:nvPr/>
-        </p:nvPicPr>
-        <p:blipFill>
-          <a:blip r:embed="rId4">
-            <a:extLst>
-              <a:ext uri="{28A0092B-C50C-407E-A947-70E740481C1C}">
-                <a14:useLocalDpi xmlns:a14="http://schemas.microsoft.com/office/drawing/2010/main" val="0"/>
-              </a:ext>
-            </a:extLst>
-          </a:blip>
-          <a:srcRect/>
-          <a:stretch>
-            <a:fillRect/>
-          </a:stretch>
-        </p:blipFill>
-        <p:spPr bwMode="auto">
-          <a:xfrm>
-            <a:off x="6096000" y="3288552"/>
-            <a:ext cx="5778378" cy="3304907"/>
-          </a:xfrm>
-          <a:prstGeom prst="rect">
-            <a:avLst/>
-          </a:prstGeom>
-          <a:noFill/>
-          <a:ln>
-            <a:noFill/>
-          </a:ln>
-        </p:spPr>
-      </p:pic>
-    </p:spTree>
-    <p:extLst>
-      <p:ext uri="{BB962C8B-B14F-4D97-AF65-F5344CB8AC3E}">
-        <p14:creationId xmlns:p14="http://schemas.microsoft.com/office/powerpoint/2010/main" val="1886825864"/>
-      </p:ext>
-    </p:extLst>
-  </p:cSld>
-  <p:clrMapOvr>
-    <a:masterClrMapping/>
-  </p:clrMapOvr>
-  <p:timing>
-    <p:tnLst>
-      <p:par>
-        <p:cTn id="1" dur="indefinite" restart="never" nodeType="tmRoot">
-          <p:childTnLst>
-            <p:seq concurrent="1" nextAc="seek">
-              <p:cTn id="2" dur="indefinite" nodeType="mainSeq">
-                <p:childTnLst>
-                  <p:par>
-                    <p:cTn id="3" fill="hold">
-                      <p:stCondLst>
-                        <p:cond delay="indefinite"/>
-                      </p:stCondLst>
-                      <p:childTnLst>
-                        <p:par>
-                          <p:cTn id="4" fill="hold">
-                            <p:stCondLst>
-                              <p:cond delay="0"/>
-                            </p:stCondLst>
-                            <p:childTnLst>
-                              <p:par>
-                                <p:cTn id="5" presetID="1" presetClass="entr" presetSubtype="0" fill="hold" nodeType="clickEffect">
-                                  <p:stCondLst>
-                                    <p:cond delay="0"/>
-                                  </p:stCondLst>
-                                  <p:childTnLst>
-                                    <p:set>
-                                      <p:cBhvr>
-                                        <p:cTn id="6" dur="1" fill="hold">
-                                          <p:stCondLst>
-                                            <p:cond delay="0"/>
-                                          </p:stCondLst>
-                                        </p:cTn>
-                                        <p:tgtEl>
-                                          <p:spTgt spid="4"/>
-                                        </p:tgtEl>
-                                        <p:attrNameLst>
-                                          <p:attrName>style.visibility</p:attrName>
-                                        </p:attrNameLst>
-                                      </p:cBhvr>
-                                      <p:to>
-                                        <p:strVal val="visible"/>
-                                      </p:to>
-                                    </p:set>
-                                  </p:childTnLst>
-                                </p:cTn>
-                              </p:par>
-                            </p:childTnLst>
-                          </p:cTn>
-                        </p:par>
-                      </p:childTnLst>
-                    </p:cTn>
-                  </p:par>
-                  <p:par>
-                    <p:cTn id="7" fill="hold">
-                      <p:stCondLst>
-                        <p:cond delay="indefinite"/>
-                      </p:stCondLst>
-                      <p:childTnLst>
-                        <p:par>
-                          <p:cTn id="8" fill="hold">
-                            <p:stCondLst>
-                              <p:cond delay="0"/>
-                            </p:stCondLst>
-                            <p:childTnLst>
-                              <p:par>
-                                <p:cTn id="9" presetID="1" presetClass="entr" presetSubtype="0" fill="hold" nodeType="clickEffect">
-                                  <p:stCondLst>
-                                    <p:cond delay="0"/>
-                                  </p:stCondLst>
-                                  <p:childTnLst>
-                                    <p:set>
-                                      <p:cBhvr>
-                                        <p:cTn id="10" dur="1" fill="hold">
-                                          <p:stCondLst>
-                                            <p:cond delay="0"/>
-                                          </p:stCondLst>
-                                        </p:cTn>
-                                        <p:tgtEl>
-                                          <p:spTgt spid="6"/>
-                                        </p:tgtEl>
-                                        <p:attrNameLst>
-                                          <p:attrName>style.visibility</p:attrName>
-                                        </p:attrNameLst>
-                                      </p:cBhvr>
-                                      <p:to>
-                                        <p:strVal val="visible"/>
-                                      </p:to>
-                                    </p:set>
-                                  </p:childTnLst>
-                                </p:cTn>
-                              </p:par>
-                            </p:childTnLst>
-                          </p:cTn>
-                        </p:par>
-                      </p:childTnLst>
-                    </p:cTn>
-                  </p:par>
-                </p:childTnLst>
-              </p:cTn>
-              <p:prevCondLst>
-                <p:cond evt="onPrev" delay="0">
-                  <p:tgtEl>
-                    <p:sldTgt/>
-                  </p:tgtEl>
-                </p:cond>
-              </p:prevCondLst>
-              <p:nextCondLst>
-                <p:cond evt="onNext" delay="0">
-                  <p:tgtEl>
-                    <p:sldTgt/>
-                  </p:tgtEl>
-                </p:cond>
-              </p:nextCondLst>
-            </p:seq>
-          </p:childTnLst>
-        </p:cTn>
-      </p:par>
-    </p:tnLst>
-  </p:timing>
-</p:sld>
-</file>
-
-<file path=ppt/slides/slide8.xml><?xml version="1.0" encoding="utf-8"?>
-<p:sld xmlns:a="http://schemas.openxmlformats.org/drawingml/2006/main" xmlns:r="http://schemas.openxmlformats.org/officeDocument/2006/relationships" xmlns:p="http://schemas.openxmlformats.org/presentationml/2006/main">
-  <p:cSld>
-    <p:spTree>
-      <p:nvGrpSpPr>
-        <p:cNvPr id="1" name="Shape 313"/>
-        <p:cNvGrpSpPr/>
-        <p:nvPr/>
-      </p:nvGrpSpPr>
-      <p:grpSpPr>
-        <a:xfrm>
-          <a:off x="0" y="0"/>
-          <a:ext cx="0" cy="0"/>
-          <a:chOff x="0" y="0"/>
-          <a:chExt cx="0" cy="0"/>
-        </a:xfrm>
-      </p:grpSpPr>
-      <p:sp>
-        <p:nvSpPr>
-          <p:cNvPr id="314" name="Google Shape;314;p34"/>
-          <p:cNvSpPr txBox="1">
-            <a:spLocks noGrp="1"/>
-          </p:cNvSpPr>
-          <p:nvPr>
-            <p:ph type="title"/>
-          </p:nvPr>
-        </p:nvSpPr>
-        <p:spPr>
-          <a:xfrm>
-            <a:off x="2806398" y="264541"/>
-            <a:ext cx="8428500" cy="1132200"/>
-          </a:xfrm>
-          <a:prstGeom prst="rect">
-            <a:avLst/>
-          </a:prstGeom>
-        </p:spPr>
-        <p:txBody>
-          <a:bodyPr spcFirstLastPara="1" wrap="square" lIns="91425" tIns="45700" rIns="91425" bIns="45700" anchor="ctr" anchorCtr="0">
-            <a:normAutofit/>
-          </a:bodyPr>
-          <a:lstStyle/>
-          <a:p>
-            <a:pPr lvl="0"/>
-            <a:r>
-              <a:rPr lang="ru-RU" sz="6000" dirty="0">
-                <a:latin typeface="Yandex Sans Text Light" panose="02000000000000000000" pitchFamily="2" charset="-52"/>
-              </a:rPr>
-              <a:t>Функции</a:t>
-            </a:r>
-            <a:endParaRPr sz="6000" dirty="0"/>
-          </a:p>
-        </p:txBody>
-      </p:sp>
-      <p:pic>
-        <p:nvPicPr>
-          <p:cNvPr id="5" name="Рисунок 4" descr="https://proproprogs.ru/htm/python_base/files/python3-funkcii-pervoe-znakomstvo-opredelenie-def-i-ih-vyzov.files/image003.jpg">
-            <a:extLst>
-              <a:ext uri="{FF2B5EF4-FFF2-40B4-BE49-F238E27FC236}">
-                <a16:creationId xmlns:a16="http://schemas.microsoft.com/office/drawing/2014/main" id="{9135F593-136B-4BC8-A00F-FAD8D481474C}"/>
-              </a:ext>
-            </a:extLst>
-          </p:cNvPr>
-          <p:cNvPicPr/>
-          <p:nvPr/>
-        </p:nvPicPr>
-        <p:blipFill>
-          <a:blip r:embed="rId3">
-            <a:extLst>
-              <a:ext uri="{28A0092B-C50C-407E-A947-70E740481C1C}">
-                <a14:useLocalDpi xmlns:a14="http://schemas.microsoft.com/office/drawing/2010/main" val="0"/>
-              </a:ext>
-            </a:extLst>
-          </a:blip>
-          <a:srcRect/>
-          <a:stretch>
-            <a:fillRect/>
-          </a:stretch>
-        </p:blipFill>
-        <p:spPr bwMode="auto">
-          <a:xfrm>
-            <a:off x="572789" y="1611049"/>
-            <a:ext cx="5739447" cy="2208896"/>
-          </a:xfrm>
-          <a:prstGeom prst="rect">
-            <a:avLst/>
-          </a:prstGeom>
-          <a:ln>
-            <a:noFill/>
-          </a:ln>
-          <a:effectLst>
-            <a:outerShdw blurRad="292100" dist="139700" dir="2700000" algn="tl" rotWithShape="0">
-              <a:srgbClr val="333333">
-                <a:alpha val="65000"/>
-              </a:srgbClr>
-            </a:outerShdw>
-          </a:effectLst>
-        </p:spPr>
-      </p:pic>
-      <p:pic>
-        <p:nvPicPr>
-          <p:cNvPr id="7" name="Рисунок 6" descr="https://proproprogs.ru/htm/python_base/files/python3-operator-return-v-funkciyah-funkcionalnoe-programmirovanie.files/image001.jpg">
-            <a:extLst>
-              <a:ext uri="{FF2B5EF4-FFF2-40B4-BE49-F238E27FC236}">
-                <a16:creationId xmlns:a16="http://schemas.microsoft.com/office/drawing/2014/main" id="{2CF0E4D1-527C-4253-B52E-2789791C29C9}"/>
-              </a:ext>
-            </a:extLst>
-          </p:cNvPr>
-          <p:cNvPicPr/>
-          <p:nvPr/>
-        </p:nvPicPr>
-        <p:blipFill>
-          <a:blip r:embed="rId4">
-            <a:extLst>
-              <a:ext uri="{28A0092B-C50C-407E-A947-70E740481C1C}">
-                <a14:useLocalDpi xmlns:a14="http://schemas.microsoft.com/office/drawing/2010/main" val="0"/>
-              </a:ext>
-            </a:extLst>
-          </a:blip>
-          <a:srcRect/>
-          <a:stretch>
-            <a:fillRect/>
-          </a:stretch>
-        </p:blipFill>
-        <p:spPr bwMode="auto">
-          <a:xfrm>
-            <a:off x="7085535" y="3819945"/>
-            <a:ext cx="4658409" cy="2823747"/>
-          </a:xfrm>
-          <a:prstGeom prst="rect">
-            <a:avLst/>
-          </a:prstGeom>
-          <a:ln>
-            <a:noFill/>
-          </a:ln>
-          <a:effectLst>
-            <a:outerShdw blurRad="292100" dist="139700" dir="2700000" algn="tl" rotWithShape="0">
-              <a:srgbClr val="333333">
-                <a:alpha val="65000"/>
-              </a:srgbClr>
-            </a:outerShdw>
-          </a:effectLst>
-        </p:spPr>
-      </p:pic>
-    </p:spTree>
-    <p:extLst>
-      <p:ext uri="{BB962C8B-B14F-4D97-AF65-F5344CB8AC3E}">
-        <p14:creationId xmlns:p14="http://schemas.microsoft.com/office/powerpoint/2010/main" val="887543077"/>
-      </p:ext>
-    </p:extLst>
   </p:cSld>
   <p:clrMapOvr>
     <a:masterClrMapping/>
